--- a/Sprites/이미지 세팅.pptx
+++ b/Sprites/이미지 세팅.pptx
@@ -104,6 +104,11 @@
       </a:defRPr>
     </a:lvl9pPr>
   </p:defaultTextStyle>
+  <p:extLst>
+    <p:ext uri="{EFAFB233-063F-42B5-8137-9DF3F51BA10A}">
+      <p15:sldGuideLst xmlns:p15="http://schemas.microsoft.com/office/powerpoint/2012/main"/>
+    </p:ext>
+  </p:extLst>
 </p:presentation>
 </file>
 
@@ -3335,7 +3340,7 @@
         </p:nvSpPr>
         <p:spPr>
           <a:xfrm>
-            <a:off x="177800" y="1600200"/>
+            <a:off x="49660" y="1589603"/>
             <a:ext cx="3746500" cy="3746500"/>
           </a:xfrm>
           <a:prstGeom prst="rect">
@@ -3415,7 +3420,7 @@
         </p:nvSpPr>
         <p:spPr>
           <a:xfrm>
-            <a:off x="4871049" y="303422"/>
+            <a:off x="4926654" y="94194"/>
             <a:ext cx="1224951" cy="369332"/>
           </a:xfrm>
           <a:prstGeom prst="rect">
@@ -3451,7 +3456,7 @@
         </p:nvSpPr>
         <p:spPr>
           <a:xfrm>
-            <a:off x="6331465" y="304111"/>
+            <a:off x="6387070" y="94883"/>
             <a:ext cx="1654261" cy="369332"/>
           </a:xfrm>
           <a:prstGeom prst="rect">
@@ -3487,7 +3492,7 @@
         </p:nvSpPr>
         <p:spPr>
           <a:xfrm>
-            <a:off x="8842975" y="304111"/>
+            <a:off x="8898580" y="94883"/>
             <a:ext cx="2848747" cy="369332"/>
           </a:xfrm>
           <a:prstGeom prst="rect">
@@ -3553,7 +3558,7 @@
         </p:nvSpPr>
         <p:spPr>
           <a:xfrm>
-            <a:off x="1206500" y="569096"/>
+            <a:off x="1489211" y="1193787"/>
             <a:ext cx="662361" cy="369332"/>
           </a:xfrm>
           <a:prstGeom prst="rect">
@@ -4124,6 +4129,298 @@
           </a:p>
         </p:txBody>
       </p:sp>
+      <p:grpSp>
+        <p:nvGrpSpPr>
+          <p:cNvPr id="9" name="그룹 8">
+            <a:extLst>
+              <a:ext uri="{FF2B5EF4-FFF2-40B4-BE49-F238E27FC236}">
+                <a16:creationId xmlns:a16="http://schemas.microsoft.com/office/drawing/2014/main" id="{FF29E452-B18C-07E1-49B8-93EB5833DD91}"/>
+              </a:ext>
+            </a:extLst>
+          </p:cNvPr>
+          <p:cNvGrpSpPr/>
+          <p:nvPr/>
+        </p:nvGrpSpPr>
+        <p:grpSpPr>
+          <a:xfrm>
+            <a:off x="4169809" y="569096"/>
+            <a:ext cx="5001830" cy="274593"/>
+            <a:chOff x="4169809" y="569096"/>
+            <a:chExt cx="5001830" cy="274593"/>
+          </a:xfrm>
+        </p:grpSpPr>
+        <p:cxnSp>
+          <p:nvCxnSpPr>
+            <p:cNvPr id="3" name="직선 연결선 2">
+              <a:extLst>
+                <a:ext uri="{FF2B5EF4-FFF2-40B4-BE49-F238E27FC236}">
+                  <a16:creationId xmlns:a16="http://schemas.microsoft.com/office/drawing/2014/main" id="{E702D821-1A41-E8EF-7C04-11F9865E6B63}"/>
+                </a:ext>
+              </a:extLst>
+            </p:cNvPr>
+            <p:cNvCxnSpPr/>
+            <p:nvPr/>
+          </p:nvCxnSpPr>
+          <p:spPr>
+            <a:xfrm>
+              <a:off x="4181569" y="569096"/>
+              <a:ext cx="0" cy="271163"/>
+            </a:xfrm>
+            <a:prstGeom prst="line">
+              <a:avLst/>
+            </a:prstGeom>
+            <a:ln w="38100">
+              <a:solidFill>
+                <a:srgbClr val="FF0000"/>
+              </a:solidFill>
+            </a:ln>
+          </p:spPr>
+          <p:style>
+            <a:lnRef idx="1">
+              <a:schemeClr val="accent1"/>
+            </a:lnRef>
+            <a:fillRef idx="0">
+              <a:schemeClr val="accent1"/>
+            </a:fillRef>
+            <a:effectRef idx="0">
+              <a:schemeClr val="accent1"/>
+            </a:effectRef>
+            <a:fontRef idx="minor">
+              <a:schemeClr val="tx1"/>
+            </a:fontRef>
+          </p:style>
+        </p:cxnSp>
+        <p:cxnSp>
+          <p:nvCxnSpPr>
+            <p:cNvPr id="23" name="직선 연결선 22">
+              <a:extLst>
+                <a:ext uri="{FF2B5EF4-FFF2-40B4-BE49-F238E27FC236}">
+                  <a16:creationId xmlns:a16="http://schemas.microsoft.com/office/drawing/2014/main" id="{0F581F08-B880-97F4-4155-FE562BB91453}"/>
+                </a:ext>
+              </a:extLst>
+            </p:cNvPr>
+            <p:cNvCxnSpPr/>
+            <p:nvPr/>
+          </p:nvCxnSpPr>
+          <p:spPr>
+            <a:xfrm>
+              <a:off x="9171639" y="572526"/>
+              <a:ext cx="0" cy="271163"/>
+            </a:xfrm>
+            <a:prstGeom prst="line">
+              <a:avLst/>
+            </a:prstGeom>
+            <a:ln w="38100">
+              <a:solidFill>
+                <a:srgbClr val="FF0000"/>
+              </a:solidFill>
+            </a:ln>
+          </p:spPr>
+          <p:style>
+            <a:lnRef idx="1">
+              <a:schemeClr val="accent1"/>
+            </a:lnRef>
+            <a:fillRef idx="0">
+              <a:schemeClr val="accent1"/>
+            </a:fillRef>
+            <a:effectRef idx="0">
+              <a:schemeClr val="accent1"/>
+            </a:effectRef>
+            <a:fontRef idx="minor">
+              <a:schemeClr val="tx1"/>
+            </a:fontRef>
+          </p:style>
+        </p:cxnSp>
+        <p:cxnSp>
+          <p:nvCxnSpPr>
+            <p:cNvPr id="24" name="직선 연결선 23">
+              <a:extLst>
+                <a:ext uri="{FF2B5EF4-FFF2-40B4-BE49-F238E27FC236}">
+                  <a16:creationId xmlns:a16="http://schemas.microsoft.com/office/drawing/2014/main" id="{C98D04A9-8703-BE9E-8BB8-969BE08B5156}"/>
+                </a:ext>
+              </a:extLst>
+            </p:cNvPr>
+            <p:cNvCxnSpPr>
+              <a:cxnSpLocks/>
+            </p:cNvCxnSpPr>
+            <p:nvPr/>
+          </p:nvCxnSpPr>
+          <p:spPr>
+            <a:xfrm flipH="1">
+              <a:off x="4169809" y="569096"/>
+              <a:ext cx="5001830" cy="0"/>
+            </a:xfrm>
+            <a:prstGeom prst="line">
+              <a:avLst/>
+            </a:prstGeom>
+            <a:ln w="38100">
+              <a:solidFill>
+                <a:srgbClr val="FF0000"/>
+              </a:solidFill>
+            </a:ln>
+          </p:spPr>
+          <p:style>
+            <a:lnRef idx="1">
+              <a:schemeClr val="accent1"/>
+            </a:lnRef>
+            <a:fillRef idx="0">
+              <a:schemeClr val="accent1"/>
+            </a:fillRef>
+            <a:effectRef idx="0">
+              <a:schemeClr val="accent1"/>
+            </a:effectRef>
+            <a:fontRef idx="minor">
+              <a:schemeClr val="tx1"/>
+            </a:fontRef>
+          </p:style>
+        </p:cxnSp>
+      </p:grpSp>
+      <p:grpSp>
+        <p:nvGrpSpPr>
+          <p:cNvPr id="28" name="그룹 27">
+            <a:extLst>
+              <a:ext uri="{FF2B5EF4-FFF2-40B4-BE49-F238E27FC236}">
+                <a16:creationId xmlns:a16="http://schemas.microsoft.com/office/drawing/2014/main" id="{9344B29D-58D1-E39A-C609-BBBDC6B02499}"/>
+              </a:ext>
+            </a:extLst>
+          </p:cNvPr>
+          <p:cNvGrpSpPr/>
+          <p:nvPr/>
+        </p:nvGrpSpPr>
+        <p:grpSpPr>
+          <a:xfrm rot="16200000">
+            <a:off x="1804785" y="2956182"/>
+            <a:ext cx="4506441" cy="274593"/>
+            <a:chOff x="4169809" y="569096"/>
+            <a:chExt cx="5001830" cy="274593"/>
+          </a:xfrm>
+        </p:grpSpPr>
+        <p:cxnSp>
+          <p:nvCxnSpPr>
+            <p:cNvPr id="30" name="직선 연결선 29">
+              <a:extLst>
+                <a:ext uri="{FF2B5EF4-FFF2-40B4-BE49-F238E27FC236}">
+                  <a16:creationId xmlns:a16="http://schemas.microsoft.com/office/drawing/2014/main" id="{4B52E7B4-313B-DC95-1E7B-7F6720125555}"/>
+                </a:ext>
+              </a:extLst>
+            </p:cNvPr>
+            <p:cNvCxnSpPr/>
+            <p:nvPr/>
+          </p:nvCxnSpPr>
+          <p:spPr>
+            <a:xfrm>
+              <a:off x="4181569" y="569096"/>
+              <a:ext cx="0" cy="271163"/>
+            </a:xfrm>
+            <a:prstGeom prst="line">
+              <a:avLst/>
+            </a:prstGeom>
+            <a:ln w="38100">
+              <a:solidFill>
+                <a:srgbClr val="FF0000"/>
+              </a:solidFill>
+            </a:ln>
+          </p:spPr>
+          <p:style>
+            <a:lnRef idx="1">
+              <a:schemeClr val="accent1"/>
+            </a:lnRef>
+            <a:fillRef idx="0">
+              <a:schemeClr val="accent1"/>
+            </a:fillRef>
+            <a:effectRef idx="0">
+              <a:schemeClr val="accent1"/>
+            </a:effectRef>
+            <a:fontRef idx="minor">
+              <a:schemeClr val="tx1"/>
+            </a:fontRef>
+          </p:style>
+        </p:cxnSp>
+        <p:cxnSp>
+          <p:nvCxnSpPr>
+            <p:cNvPr id="31" name="직선 연결선 30">
+              <a:extLst>
+                <a:ext uri="{FF2B5EF4-FFF2-40B4-BE49-F238E27FC236}">
+                  <a16:creationId xmlns:a16="http://schemas.microsoft.com/office/drawing/2014/main" id="{8213B2BC-EC8C-6BEB-7159-C3A422B40F26}"/>
+                </a:ext>
+              </a:extLst>
+            </p:cNvPr>
+            <p:cNvCxnSpPr/>
+            <p:nvPr/>
+          </p:nvCxnSpPr>
+          <p:spPr>
+            <a:xfrm>
+              <a:off x="9171639" y="572526"/>
+              <a:ext cx="0" cy="271163"/>
+            </a:xfrm>
+            <a:prstGeom prst="line">
+              <a:avLst/>
+            </a:prstGeom>
+            <a:ln w="38100">
+              <a:solidFill>
+                <a:srgbClr val="FF0000"/>
+              </a:solidFill>
+            </a:ln>
+          </p:spPr>
+          <p:style>
+            <a:lnRef idx="1">
+              <a:schemeClr val="accent1"/>
+            </a:lnRef>
+            <a:fillRef idx="0">
+              <a:schemeClr val="accent1"/>
+            </a:fillRef>
+            <a:effectRef idx="0">
+              <a:schemeClr val="accent1"/>
+            </a:effectRef>
+            <a:fontRef idx="minor">
+              <a:schemeClr val="tx1"/>
+            </a:fontRef>
+          </p:style>
+        </p:cxnSp>
+        <p:cxnSp>
+          <p:nvCxnSpPr>
+            <p:cNvPr id="32" name="직선 연결선 31">
+              <a:extLst>
+                <a:ext uri="{FF2B5EF4-FFF2-40B4-BE49-F238E27FC236}">
+                  <a16:creationId xmlns:a16="http://schemas.microsoft.com/office/drawing/2014/main" id="{F1C44C8A-4C32-FB05-507B-7D0B25BAFDD2}"/>
+                </a:ext>
+              </a:extLst>
+            </p:cNvPr>
+            <p:cNvCxnSpPr>
+              <a:cxnSpLocks/>
+            </p:cNvCxnSpPr>
+            <p:nvPr/>
+          </p:nvCxnSpPr>
+          <p:spPr>
+            <a:xfrm flipH="1">
+              <a:off x="4169809" y="569096"/>
+              <a:ext cx="5001830" cy="0"/>
+            </a:xfrm>
+            <a:prstGeom prst="line">
+              <a:avLst/>
+            </a:prstGeom>
+            <a:ln w="38100">
+              <a:solidFill>
+                <a:srgbClr val="FF0000"/>
+              </a:solidFill>
+            </a:ln>
+          </p:spPr>
+          <p:style>
+            <a:lnRef idx="1">
+              <a:schemeClr val="accent1"/>
+            </a:lnRef>
+            <a:fillRef idx="0">
+              <a:schemeClr val="accent1"/>
+            </a:fillRef>
+            <a:effectRef idx="0">
+              <a:schemeClr val="accent1"/>
+            </a:effectRef>
+            <a:fontRef idx="minor">
+              <a:schemeClr val="tx1"/>
+            </a:fontRef>
+          </p:style>
+        </p:cxnSp>
+      </p:grpSp>
     </p:spTree>
     <p:extLst>
       <p:ext uri="{BB962C8B-B14F-4D97-AF65-F5344CB8AC3E}">

--- a/Sprites/이미지 세팅.pptx
+++ b/Sprites/이미지 세팅.pptx
@@ -6,6 +6,7 @@
   </p:sldMasterIdLst>
   <p:sldIdLst>
     <p:sldId id="256" r:id="rId2"/>
+    <p:sldId id="257" r:id="rId3"/>
   </p:sldIdLst>
   <p:sldSz cx="12192000" cy="6858000"/>
   <p:notesSz cx="6858000" cy="9144000"/>
@@ -259,7 +260,7 @@
           <a:p>
             <a:fld id="{75226A7E-6B61-4416-AFC4-88918CD9D386}" type="datetimeFigureOut">
               <a:rPr lang="ko-KR" altLang="en-US" smtClean="0"/>
-              <a:t>2022-05-14</a:t>
+              <a:t>2022-05-16</a:t>
             </a:fld>
             <a:endParaRPr lang="ko-KR" altLang="en-US"/>
           </a:p>
@@ -457,7 +458,7 @@
           <a:p>
             <a:fld id="{75226A7E-6B61-4416-AFC4-88918CD9D386}" type="datetimeFigureOut">
               <a:rPr lang="ko-KR" altLang="en-US" smtClean="0"/>
-              <a:t>2022-05-14</a:t>
+              <a:t>2022-05-16</a:t>
             </a:fld>
             <a:endParaRPr lang="ko-KR" altLang="en-US"/>
           </a:p>
@@ -665,7 +666,7 @@
           <a:p>
             <a:fld id="{75226A7E-6B61-4416-AFC4-88918CD9D386}" type="datetimeFigureOut">
               <a:rPr lang="ko-KR" altLang="en-US" smtClean="0"/>
-              <a:t>2022-05-14</a:t>
+              <a:t>2022-05-16</a:t>
             </a:fld>
             <a:endParaRPr lang="ko-KR" altLang="en-US"/>
           </a:p>
@@ -863,7 +864,7 @@
           <a:p>
             <a:fld id="{75226A7E-6B61-4416-AFC4-88918CD9D386}" type="datetimeFigureOut">
               <a:rPr lang="ko-KR" altLang="en-US" smtClean="0"/>
-              <a:t>2022-05-14</a:t>
+              <a:t>2022-05-16</a:t>
             </a:fld>
             <a:endParaRPr lang="ko-KR" altLang="en-US"/>
           </a:p>
@@ -1138,7 +1139,7 @@
           <a:p>
             <a:fld id="{75226A7E-6B61-4416-AFC4-88918CD9D386}" type="datetimeFigureOut">
               <a:rPr lang="ko-KR" altLang="en-US" smtClean="0"/>
-              <a:t>2022-05-14</a:t>
+              <a:t>2022-05-16</a:t>
             </a:fld>
             <a:endParaRPr lang="ko-KR" altLang="en-US"/>
           </a:p>
@@ -1403,7 +1404,7 @@
           <a:p>
             <a:fld id="{75226A7E-6B61-4416-AFC4-88918CD9D386}" type="datetimeFigureOut">
               <a:rPr lang="ko-KR" altLang="en-US" smtClean="0"/>
-              <a:t>2022-05-14</a:t>
+              <a:t>2022-05-16</a:t>
             </a:fld>
             <a:endParaRPr lang="ko-KR" altLang="en-US"/>
           </a:p>
@@ -1815,7 +1816,7 @@
           <a:p>
             <a:fld id="{75226A7E-6B61-4416-AFC4-88918CD9D386}" type="datetimeFigureOut">
               <a:rPr lang="ko-KR" altLang="en-US" smtClean="0"/>
-              <a:t>2022-05-14</a:t>
+              <a:t>2022-05-16</a:t>
             </a:fld>
             <a:endParaRPr lang="ko-KR" altLang="en-US"/>
           </a:p>
@@ -1956,7 +1957,7 @@
           <a:p>
             <a:fld id="{75226A7E-6B61-4416-AFC4-88918CD9D386}" type="datetimeFigureOut">
               <a:rPr lang="ko-KR" altLang="en-US" smtClean="0"/>
-              <a:t>2022-05-14</a:t>
+              <a:t>2022-05-16</a:t>
             </a:fld>
             <a:endParaRPr lang="ko-KR" altLang="en-US"/>
           </a:p>
@@ -2069,7 +2070,7 @@
           <a:p>
             <a:fld id="{75226A7E-6B61-4416-AFC4-88918CD9D386}" type="datetimeFigureOut">
               <a:rPr lang="ko-KR" altLang="en-US" smtClean="0"/>
-              <a:t>2022-05-14</a:t>
+              <a:t>2022-05-16</a:t>
             </a:fld>
             <a:endParaRPr lang="ko-KR" altLang="en-US"/>
           </a:p>
@@ -2380,7 +2381,7 @@
           <a:p>
             <a:fld id="{75226A7E-6B61-4416-AFC4-88918CD9D386}" type="datetimeFigureOut">
               <a:rPr lang="ko-KR" altLang="en-US" smtClean="0"/>
-              <a:t>2022-05-14</a:t>
+              <a:t>2022-05-16</a:t>
             </a:fld>
             <a:endParaRPr lang="ko-KR" altLang="en-US"/>
           </a:p>
@@ -2668,7 +2669,7 @@
           <a:p>
             <a:fld id="{75226A7E-6B61-4416-AFC4-88918CD9D386}" type="datetimeFigureOut">
               <a:rPr lang="ko-KR" altLang="en-US" smtClean="0"/>
-              <a:t>2022-05-14</a:t>
+              <a:t>2022-05-16</a:t>
             </a:fld>
             <a:endParaRPr lang="ko-KR" altLang="en-US"/>
           </a:p>
@@ -2909,7 +2910,7 @@
           <a:p>
             <a:fld id="{75226A7E-6B61-4416-AFC4-88918CD9D386}" type="datetimeFigureOut">
               <a:rPr lang="ko-KR" altLang="en-US" smtClean="0"/>
-              <a:t>2022-05-14</a:t>
+              <a:t>2022-05-16</a:t>
             </a:fld>
             <a:endParaRPr lang="ko-KR" altLang="en-US"/>
           </a:p>
@@ -4434,6 +4435,1015 @@
 </p:sld>
 </file>
 
+<file path=ppt/slides/slide2.xml><?xml version="1.0" encoding="utf-8"?>
+<p:sld xmlns:a="http://schemas.openxmlformats.org/drawingml/2006/main" xmlns:r="http://schemas.openxmlformats.org/officeDocument/2006/relationships" xmlns:p="http://schemas.openxmlformats.org/presentationml/2006/main">
+  <p:cSld>
+    <p:spTree>
+      <p:nvGrpSpPr>
+        <p:cNvPr id="1" name=""/>
+        <p:cNvGrpSpPr/>
+        <p:nvPr/>
+      </p:nvGrpSpPr>
+      <p:grpSpPr>
+        <a:xfrm>
+          <a:off x="0" y="0"/>
+          <a:ext cx="0" cy="0"/>
+          <a:chOff x="0" y="0"/>
+          <a:chExt cx="0" cy="0"/>
+        </a:xfrm>
+      </p:grpSpPr>
+      <p:pic>
+        <p:nvPicPr>
+          <p:cNvPr id="5" name="내용 개체 틀 4" descr="창문, 여러개이(가) 표시된 사진&#10;&#10;자동 생성된 설명">
+            <a:extLst>
+              <a:ext uri="{FF2B5EF4-FFF2-40B4-BE49-F238E27FC236}">
+                <a16:creationId xmlns:a16="http://schemas.microsoft.com/office/drawing/2014/main" id="{36913B48-9F10-8C19-15F5-BDEFB37DC8AA}"/>
+              </a:ext>
+            </a:extLst>
+          </p:cNvPr>
+          <p:cNvPicPr>
+            <a:picLocks noGrp="1" noChangeAspect="1"/>
+          </p:cNvPicPr>
+          <p:nvPr>
+            <p:ph idx="1"/>
+          </p:nvPr>
+        </p:nvPicPr>
+        <p:blipFill rotWithShape="1">
+          <a:blip r:embed="rId2">
+            <a:extLst>
+              <a:ext uri="{28A0092B-C50C-407E-A947-70E740481C1C}">
+                <a14:useLocalDpi xmlns:a14="http://schemas.microsoft.com/office/drawing/2010/main" val="0"/>
+              </a:ext>
+            </a:extLst>
+          </a:blip>
+          <a:srcRect r="84100" b="87826"/>
+          <a:stretch/>
+        </p:blipFill>
+        <p:spPr>
+          <a:xfrm>
+            <a:off x="4031785" y="1100338"/>
+            <a:ext cx="4128429" cy="3987489"/>
+          </a:xfrm>
+        </p:spPr>
+      </p:pic>
+      <p:cxnSp>
+        <p:nvCxnSpPr>
+          <p:cNvPr id="7" name="직선 화살표 연결선 6">
+            <a:extLst>
+              <a:ext uri="{FF2B5EF4-FFF2-40B4-BE49-F238E27FC236}">
+                <a16:creationId xmlns:a16="http://schemas.microsoft.com/office/drawing/2014/main" id="{E4C63200-3382-C5AB-F71B-ADBB1650DFC6}"/>
+              </a:ext>
+            </a:extLst>
+          </p:cNvPr>
+          <p:cNvCxnSpPr>
+            <a:cxnSpLocks/>
+          </p:cNvCxnSpPr>
+          <p:nvPr/>
+        </p:nvCxnSpPr>
+        <p:spPr>
+          <a:xfrm flipV="1">
+            <a:off x="6095999" y="-1716258"/>
+            <a:ext cx="0" cy="9221958"/>
+          </a:xfrm>
+          <a:prstGeom prst="straightConnector1">
+            <a:avLst/>
+          </a:prstGeom>
+          <a:ln w="57150">
+            <a:solidFill>
+              <a:srgbClr val="00B050"/>
+            </a:solidFill>
+            <a:tailEnd type="triangle"/>
+          </a:ln>
+        </p:spPr>
+        <p:style>
+          <a:lnRef idx="1">
+            <a:schemeClr val="accent1"/>
+          </a:lnRef>
+          <a:fillRef idx="0">
+            <a:schemeClr val="accent1"/>
+          </a:fillRef>
+          <a:effectRef idx="0">
+            <a:schemeClr val="accent1"/>
+          </a:effectRef>
+          <a:fontRef idx="minor">
+            <a:schemeClr val="tx1"/>
+          </a:fontRef>
+        </p:style>
+      </p:cxnSp>
+      <p:cxnSp>
+        <p:nvCxnSpPr>
+          <p:cNvPr id="8" name="직선 화살표 연결선 7">
+            <a:extLst>
+              <a:ext uri="{FF2B5EF4-FFF2-40B4-BE49-F238E27FC236}">
+                <a16:creationId xmlns:a16="http://schemas.microsoft.com/office/drawing/2014/main" id="{62025E25-9861-BFAF-2790-2C67875EF01C}"/>
+              </a:ext>
+            </a:extLst>
+          </p:cNvPr>
+          <p:cNvCxnSpPr>
+            <a:cxnSpLocks/>
+          </p:cNvCxnSpPr>
+          <p:nvPr/>
+        </p:nvCxnSpPr>
+        <p:spPr>
+          <a:xfrm>
+            <a:off x="1244600" y="3277772"/>
+            <a:ext cx="10179756" cy="0"/>
+          </a:xfrm>
+          <a:prstGeom prst="straightConnector1">
+            <a:avLst/>
+          </a:prstGeom>
+          <a:ln w="57150">
+            <a:solidFill>
+              <a:srgbClr val="FF0000"/>
+            </a:solidFill>
+            <a:tailEnd type="triangle"/>
+          </a:ln>
+        </p:spPr>
+        <p:style>
+          <a:lnRef idx="1">
+            <a:schemeClr val="accent1"/>
+          </a:lnRef>
+          <a:fillRef idx="0">
+            <a:schemeClr val="accent1"/>
+          </a:fillRef>
+          <a:effectRef idx="0">
+            <a:schemeClr val="accent1"/>
+          </a:effectRef>
+          <a:fontRef idx="minor">
+            <a:schemeClr val="tx1"/>
+          </a:fontRef>
+        </p:style>
+      </p:cxnSp>
+      <p:cxnSp>
+        <p:nvCxnSpPr>
+          <p:cNvPr id="13" name="직선 화살표 연결선 12">
+            <a:extLst>
+              <a:ext uri="{FF2B5EF4-FFF2-40B4-BE49-F238E27FC236}">
+                <a16:creationId xmlns:a16="http://schemas.microsoft.com/office/drawing/2014/main" id="{37A93E3A-655A-F299-9E41-C6C47716C52B}"/>
+              </a:ext>
+            </a:extLst>
+          </p:cNvPr>
+          <p:cNvCxnSpPr>
+            <a:cxnSpLocks/>
+          </p:cNvCxnSpPr>
+          <p:nvPr/>
+        </p:nvCxnSpPr>
+        <p:spPr>
+          <a:xfrm flipH="1" flipV="1">
+            <a:off x="3720810" y="-1317535"/>
+            <a:ext cx="2375189" cy="4595307"/>
+          </a:xfrm>
+          <a:prstGeom prst="straightConnector1">
+            <a:avLst/>
+          </a:prstGeom>
+          <a:ln w="57150">
+            <a:solidFill>
+              <a:schemeClr val="tx1"/>
+            </a:solidFill>
+            <a:tailEnd type="triangle"/>
+          </a:ln>
+        </p:spPr>
+        <p:style>
+          <a:lnRef idx="1">
+            <a:schemeClr val="accent1"/>
+          </a:lnRef>
+          <a:fillRef idx="0">
+            <a:schemeClr val="accent1"/>
+          </a:fillRef>
+          <a:effectRef idx="0">
+            <a:schemeClr val="accent1"/>
+          </a:effectRef>
+          <a:fontRef idx="minor">
+            <a:schemeClr val="tx1"/>
+          </a:fontRef>
+        </p:style>
+      </p:cxnSp>
+      <p:cxnSp>
+        <p:nvCxnSpPr>
+          <p:cNvPr id="20" name="직선 화살표 연결선 19">
+            <a:extLst>
+              <a:ext uri="{FF2B5EF4-FFF2-40B4-BE49-F238E27FC236}">
+                <a16:creationId xmlns:a16="http://schemas.microsoft.com/office/drawing/2014/main" id="{3706FD26-0FCA-7504-9C37-D1BEDE1FC6BA}"/>
+              </a:ext>
+            </a:extLst>
+          </p:cNvPr>
+          <p:cNvCxnSpPr>
+            <a:cxnSpLocks/>
+          </p:cNvCxnSpPr>
+          <p:nvPr/>
+        </p:nvCxnSpPr>
+        <p:spPr>
+          <a:xfrm flipH="1" flipV="1">
+            <a:off x="1421187" y="1076782"/>
+            <a:ext cx="4674812" cy="2161688"/>
+          </a:xfrm>
+          <a:prstGeom prst="straightConnector1">
+            <a:avLst/>
+          </a:prstGeom>
+          <a:ln w="57150">
+            <a:solidFill>
+              <a:schemeClr val="tx1"/>
+            </a:solidFill>
+            <a:tailEnd type="triangle"/>
+          </a:ln>
+        </p:spPr>
+        <p:style>
+          <a:lnRef idx="1">
+            <a:schemeClr val="accent1"/>
+          </a:lnRef>
+          <a:fillRef idx="0">
+            <a:schemeClr val="accent1"/>
+          </a:fillRef>
+          <a:effectRef idx="0">
+            <a:schemeClr val="accent1"/>
+          </a:effectRef>
+          <a:fontRef idx="minor">
+            <a:schemeClr val="tx1"/>
+          </a:fontRef>
+        </p:style>
+      </p:cxnSp>
+      <p:cxnSp>
+        <p:nvCxnSpPr>
+          <p:cNvPr id="23" name="직선 화살표 연결선 22">
+            <a:extLst>
+              <a:ext uri="{FF2B5EF4-FFF2-40B4-BE49-F238E27FC236}">
+                <a16:creationId xmlns:a16="http://schemas.microsoft.com/office/drawing/2014/main" id="{BF84D37D-9E6D-14DD-138E-80F76542E6DB}"/>
+              </a:ext>
+            </a:extLst>
+          </p:cNvPr>
+          <p:cNvCxnSpPr>
+            <a:cxnSpLocks/>
+          </p:cNvCxnSpPr>
+          <p:nvPr/>
+        </p:nvCxnSpPr>
+        <p:spPr>
+          <a:xfrm flipV="1">
+            <a:off x="6150614" y="-1143000"/>
+            <a:ext cx="1736599" cy="4378890"/>
+          </a:xfrm>
+          <a:prstGeom prst="straightConnector1">
+            <a:avLst/>
+          </a:prstGeom>
+          <a:ln w="57150">
+            <a:solidFill>
+              <a:schemeClr val="tx1"/>
+            </a:solidFill>
+            <a:tailEnd type="triangle"/>
+          </a:ln>
+        </p:spPr>
+        <p:style>
+          <a:lnRef idx="1">
+            <a:schemeClr val="accent1"/>
+          </a:lnRef>
+          <a:fillRef idx="0">
+            <a:schemeClr val="accent1"/>
+          </a:fillRef>
+          <a:effectRef idx="0">
+            <a:schemeClr val="accent1"/>
+          </a:effectRef>
+          <a:fontRef idx="minor">
+            <a:schemeClr val="tx1"/>
+          </a:fontRef>
+        </p:style>
+      </p:cxnSp>
+      <p:cxnSp>
+        <p:nvCxnSpPr>
+          <p:cNvPr id="31" name="직선 화살표 연결선 30">
+            <a:extLst>
+              <a:ext uri="{FF2B5EF4-FFF2-40B4-BE49-F238E27FC236}">
+                <a16:creationId xmlns:a16="http://schemas.microsoft.com/office/drawing/2014/main" id="{90060C16-E42A-5A64-C9BC-7929DE580CD8}"/>
+              </a:ext>
+            </a:extLst>
+          </p:cNvPr>
+          <p:cNvCxnSpPr>
+            <a:cxnSpLocks/>
+          </p:cNvCxnSpPr>
+          <p:nvPr/>
+        </p:nvCxnSpPr>
+        <p:spPr>
+          <a:xfrm flipV="1">
+            <a:off x="6109623" y="780757"/>
+            <a:ext cx="4829421" cy="2484161"/>
+          </a:xfrm>
+          <a:prstGeom prst="straightConnector1">
+            <a:avLst/>
+          </a:prstGeom>
+          <a:ln w="57150">
+            <a:solidFill>
+              <a:schemeClr val="tx1"/>
+            </a:solidFill>
+            <a:tailEnd type="triangle"/>
+          </a:ln>
+        </p:spPr>
+        <p:style>
+          <a:lnRef idx="1">
+            <a:schemeClr val="accent1"/>
+          </a:lnRef>
+          <a:fillRef idx="0">
+            <a:schemeClr val="accent1"/>
+          </a:fillRef>
+          <a:effectRef idx="0">
+            <a:schemeClr val="accent1"/>
+          </a:effectRef>
+          <a:fontRef idx="minor">
+            <a:schemeClr val="tx1"/>
+          </a:fontRef>
+        </p:style>
+      </p:cxnSp>
+      <p:sp>
+        <p:nvSpPr>
+          <p:cNvPr id="37" name="TextBox 36">
+            <a:extLst>
+              <a:ext uri="{FF2B5EF4-FFF2-40B4-BE49-F238E27FC236}">
+                <a16:creationId xmlns:a16="http://schemas.microsoft.com/office/drawing/2014/main" id="{9ABF5B22-D66A-7F55-6C8B-AA228A7000C8}"/>
+              </a:ext>
+            </a:extLst>
+          </p:cNvPr>
+          <p:cNvSpPr txBox="1"/>
+          <p:nvPr/>
+        </p:nvSpPr>
+        <p:spPr>
+          <a:xfrm>
+            <a:off x="5697955" y="290215"/>
+            <a:ext cx="702436" cy="553998"/>
+          </a:xfrm>
+          <a:prstGeom prst="rect">
+            <a:avLst/>
+          </a:prstGeom>
+          <a:noFill/>
+        </p:spPr>
+        <p:txBody>
+          <a:bodyPr wrap="none" rtlCol="0">
+            <a:spAutoFit/>
+          </a:bodyPr>
+          <a:lstStyle/>
+          <a:p>
+            <a:r>
+              <a:rPr lang="en-US" altLang="ko-KR" sz="3000" b="1" dirty="0"/>
+              <a:t>UP</a:t>
+            </a:r>
+            <a:endParaRPr lang="ko-KR" altLang="en-US" sz="3000" b="1" dirty="0"/>
+          </a:p>
+        </p:txBody>
+      </p:sp>
+      <p:sp>
+        <p:nvSpPr>
+          <p:cNvPr id="38" name="TextBox 37">
+            <a:extLst>
+              <a:ext uri="{FF2B5EF4-FFF2-40B4-BE49-F238E27FC236}">
+                <a16:creationId xmlns:a16="http://schemas.microsoft.com/office/drawing/2014/main" id="{6F0E1432-99F1-22C2-4541-8546A6779716}"/>
+              </a:ext>
+            </a:extLst>
+          </p:cNvPr>
+          <p:cNvSpPr txBox="1"/>
+          <p:nvPr/>
+        </p:nvSpPr>
+        <p:spPr>
+          <a:xfrm>
+            <a:off x="3115353" y="522784"/>
+            <a:ext cx="654475" cy="553998"/>
+          </a:xfrm>
+          <a:prstGeom prst="rect">
+            <a:avLst/>
+          </a:prstGeom>
+          <a:noFill/>
+        </p:spPr>
+        <p:txBody>
+          <a:bodyPr wrap="none" rtlCol="0">
+            <a:spAutoFit/>
+          </a:bodyPr>
+          <a:lstStyle/>
+          <a:p>
+            <a:r>
+              <a:rPr lang="en-US" altLang="ko-KR" sz="3000" b="1" dirty="0"/>
+              <a:t>LU</a:t>
+            </a:r>
+            <a:endParaRPr lang="ko-KR" altLang="en-US" sz="3000" b="1" dirty="0"/>
+          </a:p>
+        </p:txBody>
+      </p:sp>
+      <p:sp>
+        <p:nvSpPr>
+          <p:cNvPr id="43" name="TextBox 42">
+            <a:extLst>
+              <a:ext uri="{FF2B5EF4-FFF2-40B4-BE49-F238E27FC236}">
+                <a16:creationId xmlns:a16="http://schemas.microsoft.com/office/drawing/2014/main" id="{ECF5C2B4-06E4-661D-1956-5C79A8CCFC1E}"/>
+              </a:ext>
+            </a:extLst>
+          </p:cNvPr>
+          <p:cNvSpPr txBox="1"/>
+          <p:nvPr/>
+        </p:nvSpPr>
+        <p:spPr>
+          <a:xfrm>
+            <a:off x="2103551" y="2987919"/>
+            <a:ext cx="1019895" cy="553998"/>
+          </a:xfrm>
+          <a:prstGeom prst="rect">
+            <a:avLst/>
+          </a:prstGeom>
+          <a:noFill/>
+        </p:spPr>
+        <p:txBody>
+          <a:bodyPr wrap="none" rtlCol="0">
+            <a:spAutoFit/>
+          </a:bodyPr>
+          <a:lstStyle/>
+          <a:p>
+            <a:r>
+              <a:rPr lang="en-US" altLang="ko-KR" sz="3000" b="1" dirty="0"/>
+              <a:t>LEFT</a:t>
+            </a:r>
+            <a:endParaRPr lang="ko-KR" altLang="en-US" sz="3000" b="1" dirty="0"/>
+          </a:p>
+        </p:txBody>
+      </p:sp>
+      <p:sp>
+        <p:nvSpPr>
+          <p:cNvPr id="44" name="TextBox 43">
+            <a:extLst>
+              <a:ext uri="{FF2B5EF4-FFF2-40B4-BE49-F238E27FC236}">
+                <a16:creationId xmlns:a16="http://schemas.microsoft.com/office/drawing/2014/main" id="{79CF066C-396C-3F15-170D-758D4AAF8D63}"/>
+              </a:ext>
+            </a:extLst>
+          </p:cNvPr>
+          <p:cNvSpPr txBox="1"/>
+          <p:nvPr/>
+        </p:nvSpPr>
+        <p:spPr>
+          <a:xfrm>
+            <a:off x="9417557" y="2987919"/>
+            <a:ext cx="1353256" cy="553998"/>
+          </a:xfrm>
+          <a:prstGeom prst="rect">
+            <a:avLst/>
+          </a:prstGeom>
+          <a:noFill/>
+        </p:spPr>
+        <p:txBody>
+          <a:bodyPr wrap="none" rtlCol="0">
+            <a:spAutoFit/>
+          </a:bodyPr>
+          <a:lstStyle/>
+          <a:p>
+            <a:r>
+              <a:rPr lang="en-US" altLang="ko-KR" sz="3000" b="1" dirty="0"/>
+              <a:t>RIGHT</a:t>
+            </a:r>
+            <a:endParaRPr lang="ko-KR" altLang="en-US" sz="3000" b="1" dirty="0"/>
+          </a:p>
+        </p:txBody>
+      </p:sp>
+      <p:sp>
+        <p:nvSpPr>
+          <p:cNvPr id="45" name="TextBox 44">
+            <a:extLst>
+              <a:ext uri="{FF2B5EF4-FFF2-40B4-BE49-F238E27FC236}">
+                <a16:creationId xmlns:a16="http://schemas.microsoft.com/office/drawing/2014/main" id="{2B47327F-D5E2-15B7-7ECF-FD7BBE2F115C}"/>
+              </a:ext>
+            </a:extLst>
+          </p:cNvPr>
+          <p:cNvSpPr txBox="1"/>
+          <p:nvPr/>
+        </p:nvSpPr>
+        <p:spPr>
+          <a:xfrm>
+            <a:off x="8117026" y="645774"/>
+            <a:ext cx="716863" cy="553998"/>
+          </a:xfrm>
+          <a:prstGeom prst="rect">
+            <a:avLst/>
+          </a:prstGeom>
+          <a:noFill/>
+        </p:spPr>
+        <p:txBody>
+          <a:bodyPr wrap="none" rtlCol="0">
+            <a:spAutoFit/>
+          </a:bodyPr>
+          <a:lstStyle/>
+          <a:p>
+            <a:r>
+              <a:rPr lang="en-US" altLang="ko-KR" sz="3000" b="1" dirty="0"/>
+              <a:t>RU</a:t>
+            </a:r>
+            <a:endParaRPr lang="ko-KR" altLang="en-US" sz="3000" b="1" dirty="0"/>
+          </a:p>
+        </p:txBody>
+      </p:sp>
+      <p:sp>
+        <p:nvSpPr>
+          <p:cNvPr id="53" name="TextBox 52">
+            <a:extLst>
+              <a:ext uri="{FF2B5EF4-FFF2-40B4-BE49-F238E27FC236}">
+                <a16:creationId xmlns:a16="http://schemas.microsoft.com/office/drawing/2014/main" id="{4038AA5C-910B-3D18-3CDA-9514C3FE020C}"/>
+              </a:ext>
+            </a:extLst>
+          </p:cNvPr>
+          <p:cNvSpPr txBox="1"/>
+          <p:nvPr/>
+        </p:nvSpPr>
+        <p:spPr>
+          <a:xfrm>
+            <a:off x="5894674" y="1283052"/>
+            <a:ext cx="437940" cy="369332"/>
+          </a:xfrm>
+          <a:prstGeom prst="rect">
+            <a:avLst/>
+          </a:prstGeom>
+          <a:noFill/>
+        </p:spPr>
+        <p:txBody>
+          <a:bodyPr wrap="none" rtlCol="0">
+            <a:spAutoFit/>
+          </a:bodyPr>
+          <a:lstStyle/>
+          <a:p>
+            <a:r>
+              <a:rPr lang="en-US" altLang="ko-KR" dirty="0"/>
+              <a:t>45</a:t>
+            </a:r>
+            <a:endParaRPr lang="ko-KR" altLang="en-US" dirty="0"/>
+          </a:p>
+        </p:txBody>
+      </p:sp>
+      <p:sp>
+        <p:nvSpPr>
+          <p:cNvPr id="54" name="TextBox 53">
+            <a:extLst>
+              <a:ext uri="{FF2B5EF4-FFF2-40B4-BE49-F238E27FC236}">
+                <a16:creationId xmlns:a16="http://schemas.microsoft.com/office/drawing/2014/main" id="{E44EC4FD-AF99-89A1-371D-2D7A231704D5}"/>
+              </a:ext>
+            </a:extLst>
+          </p:cNvPr>
+          <p:cNvSpPr txBox="1"/>
+          <p:nvPr/>
+        </p:nvSpPr>
+        <p:spPr>
+          <a:xfrm>
+            <a:off x="7187169" y="1701559"/>
+            <a:ext cx="437940" cy="369332"/>
+          </a:xfrm>
+          <a:prstGeom prst="rect">
+            <a:avLst/>
+          </a:prstGeom>
+          <a:noFill/>
+        </p:spPr>
+        <p:txBody>
+          <a:bodyPr wrap="none" rtlCol="0">
+            <a:spAutoFit/>
+          </a:bodyPr>
+          <a:lstStyle/>
+          <a:p>
+            <a:r>
+              <a:rPr lang="en-US" altLang="ko-KR" dirty="0"/>
+              <a:t>45</a:t>
+            </a:r>
+            <a:endParaRPr lang="ko-KR" altLang="en-US" dirty="0"/>
+          </a:p>
+        </p:txBody>
+      </p:sp>
+      <p:sp>
+        <p:nvSpPr>
+          <p:cNvPr id="55" name="TextBox 54">
+            <a:extLst>
+              <a:ext uri="{FF2B5EF4-FFF2-40B4-BE49-F238E27FC236}">
+                <a16:creationId xmlns:a16="http://schemas.microsoft.com/office/drawing/2014/main" id="{5A753DE1-4A8F-EF60-C393-115DDD4ACA8A}"/>
+              </a:ext>
+            </a:extLst>
+          </p:cNvPr>
+          <p:cNvSpPr txBox="1"/>
+          <p:nvPr/>
+        </p:nvSpPr>
+        <p:spPr>
+          <a:xfrm>
+            <a:off x="7546849" y="3083466"/>
+            <a:ext cx="437940" cy="369332"/>
+          </a:xfrm>
+          <a:prstGeom prst="rect">
+            <a:avLst/>
+          </a:prstGeom>
+          <a:noFill/>
+        </p:spPr>
+        <p:txBody>
+          <a:bodyPr wrap="none" rtlCol="0">
+            <a:spAutoFit/>
+          </a:bodyPr>
+          <a:lstStyle/>
+          <a:p>
+            <a:r>
+              <a:rPr lang="en-US" altLang="ko-KR" dirty="0"/>
+              <a:t>45</a:t>
+            </a:r>
+            <a:endParaRPr lang="ko-KR" altLang="en-US" dirty="0"/>
+          </a:p>
+        </p:txBody>
+      </p:sp>
+      <p:sp>
+        <p:nvSpPr>
+          <p:cNvPr id="58" name="TextBox 57">
+            <a:extLst>
+              <a:ext uri="{FF2B5EF4-FFF2-40B4-BE49-F238E27FC236}">
+                <a16:creationId xmlns:a16="http://schemas.microsoft.com/office/drawing/2014/main" id="{C199D175-FCA7-DA88-7C36-622178928CDB}"/>
+              </a:ext>
+            </a:extLst>
+          </p:cNvPr>
+          <p:cNvSpPr txBox="1"/>
+          <p:nvPr/>
+        </p:nvSpPr>
+        <p:spPr>
+          <a:xfrm>
+            <a:off x="4178654" y="3073455"/>
+            <a:ext cx="437940" cy="369332"/>
+          </a:xfrm>
+          <a:prstGeom prst="rect">
+            <a:avLst/>
+          </a:prstGeom>
+          <a:noFill/>
+        </p:spPr>
+        <p:txBody>
+          <a:bodyPr wrap="none" rtlCol="0">
+            <a:spAutoFit/>
+          </a:bodyPr>
+          <a:lstStyle/>
+          <a:p>
+            <a:r>
+              <a:rPr lang="en-US" altLang="ko-KR" dirty="0"/>
+              <a:t>45</a:t>
+            </a:r>
+            <a:endParaRPr lang="ko-KR" altLang="en-US" dirty="0"/>
+          </a:p>
+        </p:txBody>
+      </p:sp>
+      <p:cxnSp>
+        <p:nvCxnSpPr>
+          <p:cNvPr id="68" name="직선 화살표 연결선 67">
+            <a:extLst>
+              <a:ext uri="{FF2B5EF4-FFF2-40B4-BE49-F238E27FC236}">
+                <a16:creationId xmlns:a16="http://schemas.microsoft.com/office/drawing/2014/main" id="{D42B5C64-D682-BECF-F2F0-F8E50150B1BE}"/>
+              </a:ext>
+            </a:extLst>
+          </p:cNvPr>
+          <p:cNvCxnSpPr>
+            <a:cxnSpLocks/>
+          </p:cNvCxnSpPr>
+          <p:nvPr/>
+        </p:nvCxnSpPr>
+        <p:spPr>
+          <a:xfrm flipH="1">
+            <a:off x="1650999" y="3264918"/>
+            <a:ext cx="4458624" cy="1731673"/>
+          </a:xfrm>
+          <a:prstGeom prst="straightConnector1">
+            <a:avLst/>
+          </a:prstGeom>
+          <a:ln w="57150">
+            <a:solidFill>
+              <a:schemeClr val="tx1"/>
+            </a:solidFill>
+            <a:tailEnd type="triangle"/>
+          </a:ln>
+        </p:spPr>
+        <p:style>
+          <a:lnRef idx="1">
+            <a:schemeClr val="accent1"/>
+          </a:lnRef>
+          <a:fillRef idx="0">
+            <a:schemeClr val="accent1"/>
+          </a:fillRef>
+          <a:effectRef idx="0">
+            <a:schemeClr val="accent1"/>
+          </a:effectRef>
+          <a:fontRef idx="minor">
+            <a:schemeClr val="tx1"/>
+          </a:fontRef>
+        </p:style>
+      </p:cxnSp>
+      <p:cxnSp>
+        <p:nvCxnSpPr>
+          <p:cNvPr id="71" name="직선 화살표 연결선 70">
+            <a:extLst>
+              <a:ext uri="{FF2B5EF4-FFF2-40B4-BE49-F238E27FC236}">
+                <a16:creationId xmlns:a16="http://schemas.microsoft.com/office/drawing/2014/main" id="{593EA439-849F-02D2-E11C-8B703FC59362}"/>
+              </a:ext>
+            </a:extLst>
+          </p:cNvPr>
+          <p:cNvCxnSpPr>
+            <a:cxnSpLocks/>
+          </p:cNvCxnSpPr>
+          <p:nvPr/>
+        </p:nvCxnSpPr>
+        <p:spPr>
+          <a:xfrm>
+            <a:off x="6041385" y="3235561"/>
+            <a:ext cx="4499615" cy="1754603"/>
+          </a:xfrm>
+          <a:prstGeom prst="straightConnector1">
+            <a:avLst/>
+          </a:prstGeom>
+          <a:ln w="57150">
+            <a:solidFill>
+              <a:schemeClr val="tx1"/>
+            </a:solidFill>
+            <a:tailEnd type="triangle"/>
+          </a:ln>
+        </p:spPr>
+        <p:style>
+          <a:lnRef idx="1">
+            <a:schemeClr val="accent1"/>
+          </a:lnRef>
+          <a:fillRef idx="0">
+            <a:schemeClr val="accent1"/>
+          </a:fillRef>
+          <a:effectRef idx="0">
+            <a:schemeClr val="accent1"/>
+          </a:effectRef>
+          <a:fontRef idx="minor">
+            <a:schemeClr val="tx1"/>
+          </a:fontRef>
+        </p:style>
+      </p:cxnSp>
+      <p:sp>
+        <p:nvSpPr>
+          <p:cNvPr id="78" name="TextBox 77">
+            <a:extLst>
+              <a:ext uri="{FF2B5EF4-FFF2-40B4-BE49-F238E27FC236}">
+                <a16:creationId xmlns:a16="http://schemas.microsoft.com/office/drawing/2014/main" id="{21E53ECF-F194-6D4D-0E87-8960A76CE63F}"/>
+              </a:ext>
+            </a:extLst>
+          </p:cNvPr>
+          <p:cNvSpPr txBox="1"/>
+          <p:nvPr/>
+        </p:nvSpPr>
+        <p:spPr>
+          <a:xfrm>
+            <a:off x="4619686" y="1701559"/>
+            <a:ext cx="437940" cy="369332"/>
+          </a:xfrm>
+          <a:prstGeom prst="rect">
+            <a:avLst/>
+          </a:prstGeom>
+          <a:noFill/>
+        </p:spPr>
+        <p:txBody>
+          <a:bodyPr wrap="none" rtlCol="0">
+            <a:spAutoFit/>
+          </a:bodyPr>
+          <a:lstStyle/>
+          <a:p>
+            <a:r>
+              <a:rPr lang="en-US" altLang="ko-KR" dirty="0"/>
+              <a:t>45</a:t>
+            </a:r>
+            <a:endParaRPr lang="ko-KR" altLang="en-US" dirty="0"/>
+          </a:p>
+        </p:txBody>
+      </p:sp>
+      <p:cxnSp>
+        <p:nvCxnSpPr>
+          <p:cNvPr id="84" name="직선 화살표 연결선 83">
+            <a:extLst>
+              <a:ext uri="{FF2B5EF4-FFF2-40B4-BE49-F238E27FC236}">
+                <a16:creationId xmlns:a16="http://schemas.microsoft.com/office/drawing/2014/main" id="{53AAD2E1-19BC-0609-948F-6A114593CF0E}"/>
+              </a:ext>
+            </a:extLst>
+          </p:cNvPr>
+          <p:cNvCxnSpPr>
+            <a:cxnSpLocks/>
+          </p:cNvCxnSpPr>
+          <p:nvPr/>
+        </p:nvCxnSpPr>
+        <p:spPr>
+          <a:xfrm>
+            <a:off x="1405433" y="3469903"/>
+            <a:ext cx="529887" cy="660851"/>
+          </a:xfrm>
+          <a:prstGeom prst="straightConnector1">
+            <a:avLst/>
+          </a:prstGeom>
+          <a:ln w="57150">
+            <a:solidFill>
+              <a:schemeClr val="tx1"/>
+            </a:solidFill>
+            <a:tailEnd type="triangle"/>
+          </a:ln>
+        </p:spPr>
+        <p:style>
+          <a:lnRef idx="1">
+            <a:schemeClr val="accent1"/>
+          </a:lnRef>
+          <a:fillRef idx="0">
+            <a:schemeClr val="accent1"/>
+          </a:fillRef>
+          <a:effectRef idx="0">
+            <a:schemeClr val="accent1"/>
+          </a:effectRef>
+          <a:fontRef idx="minor">
+            <a:schemeClr val="tx1"/>
+          </a:fontRef>
+        </p:style>
+      </p:cxnSp>
+      <p:cxnSp>
+        <p:nvCxnSpPr>
+          <p:cNvPr id="89" name="직선 화살표 연결선 88">
+            <a:extLst>
+              <a:ext uri="{FF2B5EF4-FFF2-40B4-BE49-F238E27FC236}">
+                <a16:creationId xmlns:a16="http://schemas.microsoft.com/office/drawing/2014/main" id="{D119A79C-C3FF-2146-213B-A602EA5110FC}"/>
+              </a:ext>
+            </a:extLst>
+          </p:cNvPr>
+          <p:cNvCxnSpPr>
+            <a:cxnSpLocks/>
+            <a:stCxn id="96" idx="3"/>
+          </p:cNvCxnSpPr>
+          <p:nvPr/>
+        </p:nvCxnSpPr>
+        <p:spPr>
+          <a:xfrm flipV="1">
+            <a:off x="1459490" y="2070891"/>
+            <a:ext cx="398044" cy="798737"/>
+          </a:xfrm>
+          <a:prstGeom prst="straightConnector1">
+            <a:avLst/>
+          </a:prstGeom>
+          <a:ln w="57150">
+            <a:solidFill>
+              <a:schemeClr val="tx1"/>
+            </a:solidFill>
+            <a:tailEnd type="triangle"/>
+          </a:ln>
+        </p:spPr>
+        <p:style>
+          <a:lnRef idx="1">
+            <a:schemeClr val="accent1"/>
+          </a:lnRef>
+          <a:fillRef idx="0">
+            <a:schemeClr val="accent1"/>
+          </a:fillRef>
+          <a:effectRef idx="0">
+            <a:schemeClr val="accent1"/>
+          </a:effectRef>
+          <a:fontRef idx="minor">
+            <a:schemeClr val="tx1"/>
+          </a:fontRef>
+        </p:style>
+      </p:cxnSp>
+      <p:sp>
+        <p:nvSpPr>
+          <p:cNvPr id="94" name="TextBox 93">
+            <a:extLst>
+              <a:ext uri="{FF2B5EF4-FFF2-40B4-BE49-F238E27FC236}">
+                <a16:creationId xmlns:a16="http://schemas.microsoft.com/office/drawing/2014/main" id="{B41A6ABB-E07C-52C9-5957-6B8FEB68A312}"/>
+              </a:ext>
+            </a:extLst>
+          </p:cNvPr>
+          <p:cNvSpPr txBox="1"/>
+          <p:nvPr/>
+        </p:nvSpPr>
+        <p:spPr>
+          <a:xfrm>
+            <a:off x="10993658" y="2610415"/>
+            <a:ext cx="564578" cy="369332"/>
+          </a:xfrm>
+          <a:prstGeom prst="rect">
+            <a:avLst/>
+          </a:prstGeom>
+          <a:noFill/>
+        </p:spPr>
+        <p:txBody>
+          <a:bodyPr wrap="none" rtlCol="0">
+            <a:spAutoFit/>
+          </a:bodyPr>
+          <a:lstStyle/>
+          <a:p>
+            <a:r>
+              <a:rPr lang="en-US" altLang="ko-KR" dirty="0"/>
+              <a:t>180</a:t>
+            </a:r>
+            <a:endParaRPr lang="ko-KR" altLang="en-US" dirty="0"/>
+          </a:p>
+        </p:txBody>
+      </p:sp>
+      <p:sp>
+        <p:nvSpPr>
+          <p:cNvPr id="95" name="TextBox 94">
+            <a:extLst>
+              <a:ext uri="{FF2B5EF4-FFF2-40B4-BE49-F238E27FC236}">
+                <a16:creationId xmlns:a16="http://schemas.microsoft.com/office/drawing/2014/main" id="{6E9D7B4C-2DD5-A37D-7530-52C735EADA00}"/>
+              </a:ext>
+            </a:extLst>
+          </p:cNvPr>
+          <p:cNvSpPr txBox="1"/>
+          <p:nvPr/>
+        </p:nvSpPr>
+        <p:spPr>
+          <a:xfrm>
+            <a:off x="10917156" y="3496646"/>
+            <a:ext cx="659155" cy="369332"/>
+          </a:xfrm>
+          <a:prstGeom prst="rect">
+            <a:avLst/>
+          </a:prstGeom>
+          <a:noFill/>
+        </p:spPr>
+        <p:txBody>
+          <a:bodyPr wrap="none" rtlCol="0">
+            <a:spAutoFit/>
+          </a:bodyPr>
+          <a:lstStyle/>
+          <a:p>
+            <a:r>
+              <a:rPr lang="en-US" altLang="ko-KR" dirty="0"/>
+              <a:t>-180</a:t>
+            </a:r>
+            <a:endParaRPr lang="ko-KR" altLang="en-US" dirty="0"/>
+          </a:p>
+        </p:txBody>
+      </p:sp>
+      <p:sp>
+        <p:nvSpPr>
+          <p:cNvPr id="96" name="TextBox 95">
+            <a:extLst>
+              <a:ext uri="{FF2B5EF4-FFF2-40B4-BE49-F238E27FC236}">
+                <a16:creationId xmlns:a16="http://schemas.microsoft.com/office/drawing/2014/main" id="{5097A7FE-DA40-0C54-67FB-2622CCEAA86B}"/>
+              </a:ext>
+            </a:extLst>
+          </p:cNvPr>
+          <p:cNvSpPr txBox="1"/>
+          <p:nvPr/>
+        </p:nvSpPr>
+        <p:spPr>
+          <a:xfrm>
+            <a:off x="1148186" y="2684962"/>
+            <a:ext cx="311304" cy="369332"/>
+          </a:xfrm>
+          <a:prstGeom prst="rect">
+            <a:avLst/>
+          </a:prstGeom>
+          <a:noFill/>
+        </p:spPr>
+        <p:txBody>
+          <a:bodyPr wrap="none" rtlCol="0">
+            <a:spAutoFit/>
+          </a:bodyPr>
+          <a:lstStyle/>
+          <a:p>
+            <a:r>
+              <a:rPr lang="en-US" altLang="ko-KR" dirty="0"/>
+              <a:t>0</a:t>
+            </a:r>
+            <a:endParaRPr lang="ko-KR" altLang="en-US" dirty="0"/>
+          </a:p>
+        </p:txBody>
+      </p:sp>
+      <p:sp>
+        <p:nvSpPr>
+          <p:cNvPr id="98" name="TextBox 97">
+            <a:extLst>
+              <a:ext uri="{FF2B5EF4-FFF2-40B4-BE49-F238E27FC236}">
+                <a16:creationId xmlns:a16="http://schemas.microsoft.com/office/drawing/2014/main" id="{A7933B72-1F20-3D97-64EE-1D5EA375F627}"/>
+              </a:ext>
+            </a:extLst>
+          </p:cNvPr>
+          <p:cNvSpPr txBox="1"/>
+          <p:nvPr/>
+        </p:nvSpPr>
+        <p:spPr>
+          <a:xfrm>
+            <a:off x="1019968" y="3429000"/>
+            <a:ext cx="311304" cy="369332"/>
+          </a:xfrm>
+          <a:prstGeom prst="rect">
+            <a:avLst/>
+          </a:prstGeom>
+          <a:noFill/>
+        </p:spPr>
+        <p:txBody>
+          <a:bodyPr wrap="none" rtlCol="0">
+            <a:spAutoFit/>
+          </a:bodyPr>
+          <a:lstStyle/>
+          <a:p>
+            <a:r>
+              <a:rPr lang="en-US" altLang="ko-KR" dirty="0"/>
+              <a:t>0</a:t>
+            </a:r>
+            <a:endParaRPr lang="ko-KR" altLang="en-US" dirty="0"/>
+          </a:p>
+        </p:txBody>
+      </p:sp>
+    </p:spTree>
+    <p:extLst>
+      <p:ext uri="{BB962C8B-B14F-4D97-AF65-F5344CB8AC3E}">
+        <p14:creationId xmlns:p14="http://schemas.microsoft.com/office/powerpoint/2010/main" val="2903352550"/>
+      </p:ext>
+    </p:extLst>
+  </p:cSld>
+  <p:clrMapOvr>
+    <a:masterClrMapping/>
+  </p:clrMapOvr>
+</p:sld>
+</file>
+
 <file path=ppt/theme/theme1.xml><?xml version="1.0" encoding="utf-8"?>
 <a:theme xmlns:a="http://schemas.openxmlformats.org/drawingml/2006/main" name="Office 테마">
   <a:themeElements>

--- a/Sprites/이미지 세팅.pptx
+++ b/Sprites/이미지 세팅.pptx
@@ -260,7 +260,7 @@
           <a:p>
             <a:fld id="{75226A7E-6B61-4416-AFC4-88918CD9D386}" type="datetimeFigureOut">
               <a:rPr lang="ko-KR" altLang="en-US" smtClean="0"/>
-              <a:t>2022-05-16</a:t>
+              <a:t>2022-05-22</a:t>
             </a:fld>
             <a:endParaRPr lang="ko-KR" altLang="en-US"/>
           </a:p>
@@ -458,7 +458,7 @@
           <a:p>
             <a:fld id="{75226A7E-6B61-4416-AFC4-88918CD9D386}" type="datetimeFigureOut">
               <a:rPr lang="ko-KR" altLang="en-US" smtClean="0"/>
-              <a:t>2022-05-16</a:t>
+              <a:t>2022-05-22</a:t>
             </a:fld>
             <a:endParaRPr lang="ko-KR" altLang="en-US"/>
           </a:p>
@@ -666,7 +666,7 @@
           <a:p>
             <a:fld id="{75226A7E-6B61-4416-AFC4-88918CD9D386}" type="datetimeFigureOut">
               <a:rPr lang="ko-KR" altLang="en-US" smtClean="0"/>
-              <a:t>2022-05-16</a:t>
+              <a:t>2022-05-22</a:t>
             </a:fld>
             <a:endParaRPr lang="ko-KR" altLang="en-US"/>
           </a:p>
@@ -864,7 +864,7 @@
           <a:p>
             <a:fld id="{75226A7E-6B61-4416-AFC4-88918CD9D386}" type="datetimeFigureOut">
               <a:rPr lang="ko-KR" altLang="en-US" smtClean="0"/>
-              <a:t>2022-05-16</a:t>
+              <a:t>2022-05-22</a:t>
             </a:fld>
             <a:endParaRPr lang="ko-KR" altLang="en-US"/>
           </a:p>
@@ -1139,7 +1139,7 @@
           <a:p>
             <a:fld id="{75226A7E-6B61-4416-AFC4-88918CD9D386}" type="datetimeFigureOut">
               <a:rPr lang="ko-KR" altLang="en-US" smtClean="0"/>
-              <a:t>2022-05-16</a:t>
+              <a:t>2022-05-22</a:t>
             </a:fld>
             <a:endParaRPr lang="ko-KR" altLang="en-US"/>
           </a:p>
@@ -1404,7 +1404,7 @@
           <a:p>
             <a:fld id="{75226A7E-6B61-4416-AFC4-88918CD9D386}" type="datetimeFigureOut">
               <a:rPr lang="ko-KR" altLang="en-US" smtClean="0"/>
-              <a:t>2022-05-16</a:t>
+              <a:t>2022-05-22</a:t>
             </a:fld>
             <a:endParaRPr lang="ko-KR" altLang="en-US"/>
           </a:p>
@@ -1816,7 +1816,7 @@
           <a:p>
             <a:fld id="{75226A7E-6B61-4416-AFC4-88918CD9D386}" type="datetimeFigureOut">
               <a:rPr lang="ko-KR" altLang="en-US" smtClean="0"/>
-              <a:t>2022-05-16</a:t>
+              <a:t>2022-05-22</a:t>
             </a:fld>
             <a:endParaRPr lang="ko-KR" altLang="en-US"/>
           </a:p>
@@ -1957,7 +1957,7 @@
           <a:p>
             <a:fld id="{75226A7E-6B61-4416-AFC4-88918CD9D386}" type="datetimeFigureOut">
               <a:rPr lang="ko-KR" altLang="en-US" smtClean="0"/>
-              <a:t>2022-05-16</a:t>
+              <a:t>2022-05-22</a:t>
             </a:fld>
             <a:endParaRPr lang="ko-KR" altLang="en-US"/>
           </a:p>
@@ -2070,7 +2070,7 @@
           <a:p>
             <a:fld id="{75226A7E-6B61-4416-AFC4-88918CD9D386}" type="datetimeFigureOut">
               <a:rPr lang="ko-KR" altLang="en-US" smtClean="0"/>
-              <a:t>2022-05-16</a:t>
+              <a:t>2022-05-22</a:t>
             </a:fld>
             <a:endParaRPr lang="ko-KR" altLang="en-US"/>
           </a:p>
@@ -2381,7 +2381,7 @@
           <a:p>
             <a:fld id="{75226A7E-6B61-4416-AFC4-88918CD9D386}" type="datetimeFigureOut">
               <a:rPr lang="ko-KR" altLang="en-US" smtClean="0"/>
-              <a:t>2022-05-16</a:t>
+              <a:t>2022-05-22</a:t>
             </a:fld>
             <a:endParaRPr lang="ko-KR" altLang="en-US"/>
           </a:p>
@@ -2669,7 +2669,7 @@
           <a:p>
             <a:fld id="{75226A7E-6B61-4416-AFC4-88918CD9D386}" type="datetimeFigureOut">
               <a:rPr lang="ko-KR" altLang="en-US" smtClean="0"/>
-              <a:t>2022-05-16</a:t>
+              <a:t>2022-05-22</a:t>
             </a:fld>
             <a:endParaRPr lang="ko-KR" altLang="en-US"/>
           </a:p>
@@ -2910,7 +2910,7 @@
           <a:p>
             <a:fld id="{75226A7E-6B61-4416-AFC4-88918CD9D386}" type="datetimeFigureOut">
               <a:rPr lang="ko-KR" altLang="en-US" smtClean="0"/>
-              <a:t>2022-05-16</a:t>
+              <a:t>2022-05-22</a:t>
             </a:fld>
             <a:endParaRPr lang="ko-KR" altLang="en-US"/>
           </a:p>
@@ -4422,6 +4422,218 @@
           </p:style>
         </p:cxnSp>
       </p:grpSp>
+      <p:sp>
+        <p:nvSpPr>
+          <p:cNvPr id="33" name="TextBox 32">
+            <a:extLst>
+              <a:ext uri="{FF2B5EF4-FFF2-40B4-BE49-F238E27FC236}">
+                <a16:creationId xmlns:a16="http://schemas.microsoft.com/office/drawing/2014/main" id="{73E8AEB0-9574-BD3E-E529-59CF168BCA02}"/>
+              </a:ext>
+            </a:extLst>
+          </p:cNvPr>
+          <p:cNvSpPr txBox="1"/>
+          <p:nvPr/>
+        </p:nvSpPr>
+        <p:spPr>
+          <a:xfrm>
+            <a:off x="6151605" y="2215071"/>
+            <a:ext cx="1125629" cy="369332"/>
+          </a:xfrm>
+          <a:prstGeom prst="rect">
+            <a:avLst/>
+          </a:prstGeom>
+          <a:noFill/>
+        </p:spPr>
+        <p:txBody>
+          <a:bodyPr wrap="none" rtlCol="0">
+            <a:spAutoFit/>
+          </a:bodyPr>
+          <a:lstStyle/>
+          <a:p>
+            <a:r>
+              <a:rPr lang="en-US" altLang="ko-KR" dirty="0" err="1"/>
+              <a:t>bodySize</a:t>
+            </a:r>
+            <a:endParaRPr lang="ko-KR" altLang="en-US" dirty="0"/>
+          </a:p>
+        </p:txBody>
+      </p:sp>
+      <p:cxnSp>
+        <p:nvCxnSpPr>
+          <p:cNvPr id="36" name="직선 화살표 연결선 35">
+            <a:extLst>
+              <a:ext uri="{FF2B5EF4-FFF2-40B4-BE49-F238E27FC236}">
+                <a16:creationId xmlns:a16="http://schemas.microsoft.com/office/drawing/2014/main" id="{2EDF95A6-B397-E7A5-09B4-2157A6938DA9}"/>
+              </a:ext>
+            </a:extLst>
+          </p:cNvPr>
+          <p:cNvCxnSpPr>
+            <a:cxnSpLocks/>
+          </p:cNvCxnSpPr>
+          <p:nvPr/>
+        </p:nvCxnSpPr>
+        <p:spPr>
+          <a:xfrm flipH="1" flipV="1">
+            <a:off x="6205538" y="3290888"/>
+            <a:ext cx="403885" cy="6978"/>
+          </a:xfrm>
+          <a:prstGeom prst="straightConnector1">
+            <a:avLst/>
+          </a:prstGeom>
+          <a:ln>
+            <a:solidFill>
+              <a:schemeClr val="tx1"/>
+            </a:solidFill>
+            <a:tailEnd type="triangle"/>
+          </a:ln>
+        </p:spPr>
+        <p:style>
+          <a:lnRef idx="1">
+            <a:schemeClr val="accent6"/>
+          </a:lnRef>
+          <a:fillRef idx="0">
+            <a:schemeClr val="accent6"/>
+          </a:fillRef>
+          <a:effectRef idx="0">
+            <a:schemeClr val="accent6"/>
+          </a:effectRef>
+          <a:fontRef idx="minor">
+            <a:schemeClr val="tx1"/>
+          </a:fontRef>
+        </p:style>
+      </p:cxnSp>
+      <p:cxnSp>
+        <p:nvCxnSpPr>
+          <p:cNvPr id="37" name="직선 화살표 연결선 36">
+            <a:extLst>
+              <a:ext uri="{FF2B5EF4-FFF2-40B4-BE49-F238E27FC236}">
+                <a16:creationId xmlns:a16="http://schemas.microsoft.com/office/drawing/2014/main" id="{8F53038C-9FF6-10DE-C2D6-EEA4E17F5E25}"/>
+              </a:ext>
+            </a:extLst>
+          </p:cNvPr>
+          <p:cNvCxnSpPr>
+            <a:cxnSpLocks/>
+          </p:cNvCxnSpPr>
+          <p:nvPr/>
+        </p:nvCxnSpPr>
+        <p:spPr>
+          <a:xfrm flipV="1">
+            <a:off x="6661747" y="2213739"/>
+            <a:ext cx="0" cy="1055719"/>
+          </a:xfrm>
+          <a:prstGeom prst="straightConnector1">
+            <a:avLst/>
+          </a:prstGeom>
+          <a:ln>
+            <a:solidFill>
+              <a:schemeClr val="tx1"/>
+            </a:solidFill>
+            <a:tailEnd type="triangle"/>
+          </a:ln>
+        </p:spPr>
+        <p:style>
+          <a:lnRef idx="1">
+            <a:schemeClr val="accent6"/>
+          </a:lnRef>
+          <a:fillRef idx="0">
+            <a:schemeClr val="accent6"/>
+          </a:fillRef>
+          <a:effectRef idx="0">
+            <a:schemeClr val="accent6"/>
+          </a:effectRef>
+          <a:fontRef idx="minor">
+            <a:schemeClr val="tx1"/>
+          </a:fontRef>
+        </p:style>
+      </p:cxnSp>
+      <p:cxnSp>
+        <p:nvCxnSpPr>
+          <p:cNvPr id="38" name="직선 화살표 연결선 37">
+            <a:extLst>
+              <a:ext uri="{FF2B5EF4-FFF2-40B4-BE49-F238E27FC236}">
+                <a16:creationId xmlns:a16="http://schemas.microsoft.com/office/drawing/2014/main" id="{088B99FC-F163-664B-D6A3-371DBDAE578F}"/>
+              </a:ext>
+            </a:extLst>
+          </p:cNvPr>
+          <p:cNvCxnSpPr>
+            <a:cxnSpLocks/>
+          </p:cNvCxnSpPr>
+          <p:nvPr/>
+        </p:nvCxnSpPr>
+        <p:spPr>
+          <a:xfrm flipV="1">
+            <a:off x="6699847" y="3271838"/>
+            <a:ext cx="482003" cy="13328"/>
+          </a:xfrm>
+          <a:prstGeom prst="straightConnector1">
+            <a:avLst/>
+          </a:prstGeom>
+          <a:ln>
+            <a:solidFill>
+              <a:schemeClr val="tx1"/>
+            </a:solidFill>
+            <a:tailEnd type="triangle"/>
+          </a:ln>
+        </p:spPr>
+        <p:style>
+          <a:lnRef idx="1">
+            <a:schemeClr val="accent6"/>
+          </a:lnRef>
+          <a:fillRef idx="0">
+            <a:schemeClr val="accent6"/>
+          </a:fillRef>
+          <a:effectRef idx="0">
+            <a:schemeClr val="accent6"/>
+          </a:effectRef>
+          <a:fontRef idx="minor">
+            <a:schemeClr val="tx1"/>
+          </a:fontRef>
+        </p:style>
+      </p:cxnSp>
+      <p:cxnSp>
+        <p:nvCxnSpPr>
+          <p:cNvPr id="40" name="직선 화살표 연결선 39">
+            <a:extLst>
+              <a:ext uri="{FF2B5EF4-FFF2-40B4-BE49-F238E27FC236}">
+                <a16:creationId xmlns:a16="http://schemas.microsoft.com/office/drawing/2014/main" id="{1F39DC51-E33B-80B2-3A8B-4E1BF9C8632C}"/>
+              </a:ext>
+            </a:extLst>
+          </p:cNvPr>
+          <p:cNvCxnSpPr>
+            <a:cxnSpLocks/>
+          </p:cNvCxnSpPr>
+          <p:nvPr/>
+        </p:nvCxnSpPr>
+        <p:spPr>
+          <a:xfrm>
+            <a:off x="6661747" y="3311969"/>
+            <a:ext cx="991" cy="1007619"/>
+          </a:xfrm>
+          <a:prstGeom prst="straightConnector1">
+            <a:avLst/>
+          </a:prstGeom>
+          <a:ln>
+            <a:solidFill>
+              <a:schemeClr val="tx1"/>
+            </a:solidFill>
+            <a:tailEnd type="triangle"/>
+          </a:ln>
+        </p:spPr>
+        <p:style>
+          <a:lnRef idx="1">
+            <a:schemeClr val="accent6"/>
+          </a:lnRef>
+          <a:fillRef idx="0">
+            <a:schemeClr val="accent6"/>
+          </a:fillRef>
+          <a:effectRef idx="0">
+            <a:schemeClr val="accent6"/>
+          </a:effectRef>
+          <a:fontRef idx="minor">
+            <a:schemeClr val="tx1"/>
+          </a:fontRef>
+        </p:style>
+      </p:cxnSp>
     </p:spTree>
     <p:extLst>
       <p:ext uri="{BB962C8B-B14F-4D97-AF65-F5344CB8AC3E}">
